--- a/Depression and Poverty.pptx
+++ b/Depression and Poverty.pptx
@@ -6313,19 +6313,15 @@
           <a:p>
             <a:pPr algn="ctr"/>
             <a:r>
-              <a:rPr lang="en-US"/>
-              <a:t>October 9, </a:t>
-            </a:r>
-            <a:r>
-              <a:rPr lang="en-US" dirty="0"/>
-              <a:t>2022</a:t>
+              <a:rPr lang="en-US" dirty="0"/>
+              <a:t>October 9, 2022</a:t>
             </a:r>
           </a:p>
           <a:p>
             <a:pPr algn="ctr"/>
             <a:r>
               <a:rPr lang="en-US" dirty="0"/>
-              <a:t>https://github.com/danlagos/ANA500---Week-2</a:t>
+              <a:t>https://github.com/danlagos/ANA500-Week-3</a:t>
             </a:r>
           </a:p>
         </p:txBody>
@@ -14917,15 +14913,6 @@
 </file>
 
 <file path=customXml/item1.xml><?xml version="1.0" encoding="utf-8"?>
-<?mso-contentType ?>
-<FormTemplates xmlns="http://schemas.microsoft.com/sharepoint/v3/contenttype/forms">
-  <Display>DocumentLibraryForm</Display>
-  <Edit>DocumentLibraryForm</Edit>
-  <New>DocumentLibraryForm</New>
-</FormTemplates>
-</file>
-
-<file path=customXml/item2.xml><?xml version="1.0" encoding="utf-8"?>
 <p:properties xmlns:p="http://schemas.microsoft.com/office/2006/metadata/properties" xmlns:xsi="http://www.w3.org/2001/XMLSchema-instance" xmlns:pc="http://schemas.microsoft.com/office/infopath/2007/PartnerControls">
   <documentManagement>
     <MediaServiceKeyPoints xmlns="71af3243-3dd4-4a8d-8c0d-dd76da1f02a5" xsi:nil="true"/>
@@ -14933,7 +14920,7 @@
 </p:properties>
 </file>
 
-<file path=customXml/item3.xml><?xml version="1.0" encoding="utf-8"?>
+<file path=customXml/item2.xml><?xml version="1.0" encoding="utf-8"?>
 <ct:contentTypeSchema xmlns:ct="http://schemas.microsoft.com/office/2006/metadata/contentType" xmlns:ma="http://schemas.microsoft.com/office/2006/metadata/properties/metaAttributes" ct:_="" ma:_="" ma:contentTypeName="Document" ma:contentTypeID="0x01010079F111ED35F8CC479449609E8A0923A6" ma:contentTypeVersion="11" ma:contentTypeDescription="Create a new document." ma:contentTypeScope="" ma:versionID="9677210f24a1be23c92c90fd886aa0aa">
   <xsd:schema xmlns:xsd="http://www.w3.org/2001/XMLSchema" xmlns:xs="http://www.w3.org/2001/XMLSchema" xmlns:p="http://schemas.microsoft.com/office/2006/metadata/properties" xmlns:ns2="71af3243-3dd4-4a8d-8c0d-dd76da1f02a5" xmlns:ns3="16c05727-aa75-4e4a-9b5f-8a80a1165891" targetNamespace="http://schemas.microsoft.com/office/2006/metadata/properties" ma:root="true" ma:fieldsID="60e05723c5c1908df1a1a4ebf11d344e" ns2:_="" ns3:_="">
     <xsd:import namespace="71af3243-3dd4-4a8d-8c0d-dd76da1f02a5"/>
@@ -15144,15 +15131,16 @@
 </ct:contentTypeSchema>
 </file>
 
-<file path=customXml/itemProps1.xml><?xml version="1.0" encoding="utf-8"?>
-<ds:datastoreItem xmlns:ds="http://schemas.openxmlformats.org/officeDocument/2006/customXml" ds:itemID="{FE57094B-4684-420B-AFE0-4E41CA2AF714}">
-  <ds:schemaRefs>
-    <ds:schemaRef ds:uri="http://schemas.microsoft.com/sharepoint/v3/contenttype/forms"/>
-  </ds:schemaRefs>
-</ds:datastoreItem>
+<file path=customXml/item3.xml><?xml version="1.0" encoding="utf-8"?>
+<?mso-contentType ?>
+<FormTemplates xmlns="http://schemas.microsoft.com/sharepoint/v3/contenttype/forms">
+  <Display>DocumentLibraryForm</Display>
+  <Edit>DocumentLibraryForm</Edit>
+  <New>DocumentLibraryForm</New>
+</FormTemplates>
 </file>
 
-<file path=customXml/itemProps2.xml><?xml version="1.0" encoding="utf-8"?>
+<file path=customXml/itemProps1.xml><?xml version="1.0" encoding="utf-8"?>
 <ds:datastoreItem xmlns:ds="http://schemas.openxmlformats.org/officeDocument/2006/customXml" ds:itemID="{B26D5668-1971-40BB-BC7C-94C9B101AAB7}">
   <ds:schemaRefs>
     <ds:schemaRef ds:uri="http://schemas.microsoft.com/office/2006/metadata/properties"/>
@@ -15162,7 +15150,7 @@
 </ds:datastoreItem>
 </file>
 
-<file path=customXml/itemProps3.xml><?xml version="1.0" encoding="utf-8"?>
+<file path=customXml/itemProps2.xml><?xml version="1.0" encoding="utf-8"?>
 <ds:datastoreItem xmlns:ds="http://schemas.openxmlformats.org/officeDocument/2006/customXml" ds:itemID="{3370F4A1-FC59-4361-989F-6C79533DA565}">
   <ds:schemaRefs>
     <ds:schemaRef ds:uri="http://schemas.microsoft.com/office/2006/metadata/contentType"/>
@@ -15179,4 +15167,12 @@
     <ds:schemaRef ds:uri="http://schemas.microsoft.com/internal/obd"/>
   </ds:schemaRefs>
 </ds:datastoreItem>
+</file>
+
+<file path=customXml/itemProps3.xml><?xml version="1.0" encoding="utf-8"?>
+<ds:datastoreItem xmlns:ds="http://schemas.openxmlformats.org/officeDocument/2006/customXml" ds:itemID="{FE57094B-4684-420B-AFE0-4E41CA2AF714}">
+  <ds:schemaRefs>
+    <ds:schemaRef ds:uri="http://schemas.microsoft.com/sharepoint/v3/contenttype/forms"/>
+  </ds:schemaRefs>
+</ds:datastoreItem>
 </file>
--- a/Depression and Poverty.pptx
+++ b/Depression and Poverty.pptx
@@ -5,7 +5,7 @@
     <p:sldMasterId id="2147483648" r:id="rId4"/>
   </p:sldMasterIdLst>
   <p:notesMasterIdLst>
-    <p:notesMasterId r:id="rId46"/>
+    <p:notesMasterId r:id="rId47"/>
   </p:notesMasterIdLst>
   <p:sldIdLst>
     <p:sldId id="277" r:id="rId5"/>
@@ -49,6 +49,7 @@
     <p:sldId id="317" r:id="rId43"/>
     <p:sldId id="318" r:id="rId44"/>
     <p:sldId id="319" r:id="rId45"/>
+    <p:sldId id="320" r:id="rId46"/>
   </p:sldIdLst>
   <p:sldSz cx="12192000" cy="6858000"/>
   <p:notesSz cx="6858000" cy="9144000"/>
@@ -237,7 +238,7 @@
           <a:p>
             <a:fld id="{181EC09C-9CDC-48F0-BB82-ED223F986966}" type="datetimeFigureOut">
               <a:rPr lang="en-US" smtClean="0"/>
-              <a:t>10/15/2022</a:t>
+              <a:t>10/16/2022</a:t>
             </a:fld>
             <a:endParaRPr lang="en-US" dirty="0"/>
           </a:p>
@@ -731,7 +732,7 @@
           <a:p>
             <a:fld id="{9D874152-028B-486A-9CCC-467A5536A7DC}" type="datetime1">
               <a:rPr lang="en-US" smtClean="0"/>
-              <a:t>10/15/2022</a:t>
+              <a:t>10/16/2022</a:t>
             </a:fld>
             <a:endParaRPr lang="en-US" dirty="0"/>
           </a:p>
@@ -1059,7 +1060,7 @@
           <a:p>
             <a:fld id="{8A1558FF-9F53-4DAD-84A1-1EEE4F190FF1}" type="datetime1">
               <a:rPr lang="en-US" smtClean="0"/>
-              <a:t>10/15/2022</a:t>
+              <a:t>10/16/2022</a:t>
             </a:fld>
             <a:endParaRPr lang="en-US" dirty="0"/>
           </a:p>
@@ -1332,7 +1333,7 @@
           <a:p>
             <a:fld id="{A78FA1A6-D89D-4E0B-ACDC-F92429034F56}" type="datetime1">
               <a:rPr lang="en-US" smtClean="0"/>
-              <a:t>10/15/2022</a:t>
+              <a:t>10/16/2022</a:t>
             </a:fld>
             <a:endParaRPr lang="en-US" dirty="0"/>
           </a:p>
@@ -1895,7 +1896,7 @@
           <a:p>
             <a:fld id="{8BA382F0-6EA8-4D82-951F-1579D6A93CC4}" type="datetime1">
               <a:rPr lang="en-US" smtClean="0"/>
-              <a:t>10/15/2022</a:t>
+              <a:t>10/16/2022</a:t>
             </a:fld>
             <a:endParaRPr lang="en-US" dirty="0"/>
           </a:p>
@@ -2168,7 +2169,7 @@
           <a:p>
             <a:fld id="{CDBE913C-F349-4CE3-A910-0EA13427FE0D}" type="datetime1">
               <a:rPr lang="en-US" smtClean="0"/>
-              <a:t>10/15/2022</a:t>
+              <a:t>10/16/2022</a:t>
             </a:fld>
             <a:endParaRPr lang="en-US" dirty="0"/>
           </a:p>
@@ -2725,7 +2726,7 @@
           <a:p>
             <a:fld id="{70D4C5C7-4D27-4EBE-9DB8-92F5F0F40B34}" type="datetime1">
               <a:rPr lang="en-US" smtClean="0"/>
-              <a:t>10/15/2022</a:t>
+              <a:t>10/16/2022</a:t>
             </a:fld>
             <a:endParaRPr lang="en-US" dirty="0"/>
           </a:p>
@@ -3047,7 +3048,7 @@
           <a:p>
             <a:fld id="{B6CDAF82-EDB2-4FBF-83F4-247A1B3455CB}" type="datetime1">
               <a:rPr lang="en-US" smtClean="0"/>
-              <a:t>10/15/2022</a:t>
+              <a:t>10/16/2022</a:t>
             </a:fld>
             <a:endParaRPr lang="en-US" dirty="0"/>
           </a:p>
@@ -3219,7 +3220,7 @@
           <a:p>
             <a:fld id="{2D5E59DB-4C5A-44A3-897C-FF6803F94296}" type="datetime1">
               <a:rPr lang="en-US" smtClean="0"/>
-              <a:t>10/15/2022</a:t>
+              <a:t>10/16/2022</a:t>
             </a:fld>
             <a:endParaRPr lang="en-US" dirty="0"/>
           </a:p>
@@ -3450,7 +3451,7 @@
           <a:p>
             <a:fld id="{E9F6B6E0-E0F8-4800-BD74-7D33DFE5ED7E}" type="datetime1">
               <a:rPr lang="en-US" smtClean="0"/>
-              <a:t>10/15/2022</a:t>
+              <a:t>10/16/2022</a:t>
             </a:fld>
             <a:endParaRPr lang="en-US" dirty="0"/>
           </a:p>
@@ -3644,7 +3645,7 @@
           <a:p>
             <a:fld id="{6E6DC824-D0E7-4046-8B44-4AAD1C4DE2CF}" type="datetime1">
               <a:rPr lang="en-US" smtClean="0"/>
-              <a:t>10/15/2022</a:t>
+              <a:t>10/16/2022</a:t>
             </a:fld>
             <a:endParaRPr lang="en-US" dirty="0"/>
           </a:p>
@@ -3915,7 +3916,7 @@
           <a:p>
             <a:fld id="{FEFC221C-17A4-4F42-9F54-9F7E03AA1BBB}" type="datetime1">
               <a:rPr lang="en-US" smtClean="0"/>
-              <a:t>10/15/2022</a:t>
+              <a:t>10/16/2022</a:t>
             </a:fld>
             <a:endParaRPr lang="en-US" dirty="0"/>
           </a:p>
@@ -4174,7 +4175,7 @@
           <a:p>
             <a:fld id="{38CD7CBA-5256-42F3-BAB5-33F095514AE3}" type="datetime1">
               <a:rPr lang="en-US" smtClean="0"/>
-              <a:t>10/15/2022</a:t>
+              <a:t>10/16/2022</a:t>
             </a:fld>
             <a:endParaRPr lang="en-US" dirty="0"/>
           </a:p>
@@ -4541,7 +4542,7 @@
           <a:p>
             <a:fld id="{8EB80C04-2E33-403B-B014-7E203A57326C}" type="datetime1">
               <a:rPr lang="en-US" smtClean="0"/>
-              <a:t>10/15/2022</a:t>
+              <a:t>10/16/2022</a:t>
             </a:fld>
             <a:endParaRPr lang="en-US" dirty="0"/>
           </a:p>
@@ -4684,7 +4685,7 @@
           <a:p>
             <a:fld id="{8C92A49D-7D7F-4D69-A8AA-65D6B58C15F2}" type="datetime1">
               <a:rPr lang="en-US" smtClean="0"/>
-              <a:t>10/15/2022</a:t>
+              <a:t>10/16/2022</a:t>
             </a:fld>
             <a:endParaRPr lang="en-US" dirty="0"/>
           </a:p>
@@ -4805,7 +4806,7 @@
           <a:p>
             <a:fld id="{09E02903-36C1-4F6B-9F27-EA2305255204}" type="datetime1">
               <a:rPr lang="en-US" smtClean="0"/>
-              <a:t>10/15/2022</a:t>
+              <a:t>10/16/2022</a:t>
             </a:fld>
             <a:endParaRPr lang="en-US" dirty="0"/>
           </a:p>
@@ -5084,7 +5085,7 @@
           <a:p>
             <a:fld id="{2E8BBFA8-C775-4121-A7F6-6851C8035873}" type="datetime1">
               <a:rPr lang="en-US" smtClean="0"/>
-              <a:t>10/15/2022</a:t>
+              <a:t>10/16/2022</a:t>
             </a:fld>
             <a:endParaRPr lang="en-US" dirty="0"/>
           </a:p>
@@ -5402,7 +5403,7 @@
           <a:p>
             <a:fld id="{6EC01760-8EEC-4A4C-BD0D-3CDAAA80A266}" type="datetime1">
               <a:rPr lang="en-US" smtClean="0"/>
-              <a:t>10/15/2022</a:t>
+              <a:t>10/16/2022</a:t>
             </a:fld>
             <a:endParaRPr lang="en-US" dirty="0"/>
           </a:p>
@@ -5610,7 +5611,7 @@
           <a:p>
             <a:fld id="{B183DE74-4CAD-4852-95E7-A055FD779420}" type="datetime1">
               <a:rPr lang="en-US" smtClean="0"/>
-              <a:t>10/15/2022</a:t>
+              <a:t>10/16/2022</a:t>
             </a:fld>
             <a:endParaRPr lang="en-US" dirty="0"/>
           </a:p>
@@ -6314,7 +6315,7 @@
             <a:pPr algn="ctr"/>
             <a:r>
               <a:rPr lang="en-US" dirty="0"/>
-              <a:t>October 9, 2022</a:t>
+              <a:t>October 16, 2022</a:t>
             </a:r>
           </a:p>
           <a:p>
@@ -10404,7 +10405,7 @@
         <p:spPr>
           <a:xfrm>
             <a:off x="685802" y="2142067"/>
-            <a:ext cx="6282266" cy="3649133"/>
+            <a:ext cx="6282266" cy="4496125"/>
           </a:xfrm>
         </p:spPr>
         <p:txBody>
@@ -10414,16 +10415,35 @@
           <a:lstStyle/>
           <a:p>
             <a:r>
-              <a:rPr lang="en-US"/>
-              <a:t>It should be noted that this model was originally run with 5 levels to var DEPRESSION.  Under this model the histogram of predictions, precision score, and recall score contradicted accuracy score.  As a remedy, it was decided to change the structure of var DEPRESSION into binary.  The results of this new model will be reported, as they are the same as the results when DEPRESSION had 5 levels.</a:t>
-            </a:r>
-          </a:p>
-          <a:p>
-            <a:r>
-              <a:rPr lang="en-US"/>
-              <a:t>This is a classification problem with labels, thus supervised type of ML.  Decision tree algorithm is used.  </a:t>
-            </a:r>
-            <a:endParaRPr lang="en-US" dirty="0"/>
+              <a:rPr lang="en-US" dirty="0"/>
+              <a:t>This is a classification problem with labels, thus supervised type of ML.  Decision tree algorithm will be used.  </a:t>
+            </a:r>
+          </a:p>
+          <a:p>
+            <a:r>
+              <a:rPr lang="en-US" dirty="0"/>
+              <a:t>It should be noted that this model was originally run with 5 levels to var DEPRESSION.  Under this version of the model the histogram of predictions, precision score, and recall score contradicted accuracy score.  As a remedy, it was decided to change the structure of var DEPRESSION into binary.  The results of this new model will be reported, as they are the same as the results when DEPRESSION had 5 levels.</a:t>
+            </a:r>
+          </a:p>
+          <a:p>
+            <a:r>
+              <a:rPr lang="en-US" dirty="0"/>
+              <a:t>Parameters of model provided.  </a:t>
+            </a:r>
+          </a:p>
+          <a:p>
+            <a:pPr lvl="1"/>
+            <a:r>
+              <a:rPr lang="en-US" dirty="0"/>
+              <a:t>Criterion = entropy as this is better suited for non-binary data.</a:t>
+            </a:r>
+          </a:p>
+          <a:p>
+            <a:pPr lvl="1"/>
+            <a:r>
+              <a:rPr lang="en-US" dirty="0"/>
+              <a:t>All other parameters set to prevent overfitting.</a:t>
+            </a:r>
           </a:p>
         </p:txBody>
       </p:sp>
@@ -10449,8 +10469,8 @@
         </p:blipFill>
         <p:spPr>
           <a:xfrm>
-            <a:off x="7590936" y="1995385"/>
-            <a:ext cx="3445714" cy="2791028"/>
+            <a:off x="7195281" y="1995384"/>
+            <a:ext cx="4375024" cy="3543769"/>
           </a:xfrm>
           <a:prstGeom prst="roundRect">
             <a:avLst>
@@ -10638,7 +10658,7 @@
             </a:pPr>
             <a:r>
               <a:rPr lang="en-US" cap="all" dirty="0"/>
-              <a:t>Independent variables were split in the following manner</a:t>
+              <a:t>Independent variables were split in the manner Shown above</a:t>
             </a:r>
           </a:p>
         </p:txBody>
@@ -10958,7 +10978,7 @@
             </a:pPr>
             <a:r>
               <a:rPr lang="en-US" cap="all" dirty="0"/>
-              <a:t>Dependent variable was split in the following manner</a:t>
+              <a:t>Dependent variable was split in the manner Shown above</a:t>
             </a:r>
           </a:p>
         </p:txBody>
@@ -11206,7 +11226,13 @@
           <a:p>
             <a:r>
               <a:rPr lang="en-US" dirty="0"/>
-              <a:t>After conducting training accuracy score, precision score, recall score was produced, as well as histogram of predictions, and a plot of decision tree</a:t>
+              <a:t>After conducting training, the model, predictions were produced.   The accuracy score, precision score, recall score was produced, as well as histogram of predictions, and a plot of decision tree were produced and analyzed.</a:t>
+            </a:r>
+          </a:p>
+          <a:p>
+            <a:r>
+              <a:rPr lang="en-US" dirty="0"/>
+              <a:t>Results in the next section.</a:t>
             </a:r>
           </a:p>
           <a:p>
@@ -11425,8 +11451,11 @@
           <a:p>
             <a:r>
               <a:rPr lang="en-US" dirty="0"/>
-              <a:t>Histogram of predictions indicates that model is not considering DEPRESSION(1)</a:t>
-            </a:r>
+              <a:t>Histogram of predictions indicates that model is not considering DEPRESSION(1).</a:t>
+            </a:r>
+          </a:p>
+          <a:p>
+            <a:endParaRPr lang="en-US" dirty="0"/>
           </a:p>
           <a:p>
             <a:endParaRPr lang="en-US" dirty="0"/>
@@ -12252,7 +12281,7 @@
           <a:p>
             <a:r>
               <a:rPr lang="en-US" dirty="0"/>
-              <a:t>Plot of Decision indicates no real depth to the model.</a:t>
+              <a:t>Plot of Decision Tree indicates no real depth to the model.</a:t>
             </a:r>
           </a:p>
           <a:p>
@@ -12397,14 +12426,21 @@
             <p:ph idx="1"/>
           </p:nvPr>
         </p:nvSpPr>
-        <p:spPr/>
-        <p:txBody>
-          <a:bodyPr/>
-          <a:lstStyle/>
-          <a:p>
-            <a:r>
-              <a:rPr lang="en-US" dirty="0"/>
-              <a:t>Model is ignoring two of the three variables.  Normally this would indicate that GEN_HEALTH is the only variable that is relevant to predicting DEPRESSION, however the contradiction between accuracy score and precision and recall scores indicates that DEPRESSION = f(GEN_HEALTH) is not a good model, something else may be going on.</a:t>
+        <p:spPr>
+          <a:xfrm>
+            <a:off x="685801" y="2142067"/>
+            <a:ext cx="10131425" cy="4443371"/>
+          </a:xfrm>
+        </p:spPr>
+        <p:txBody>
+          <a:bodyPr>
+            <a:normAutofit/>
+          </a:bodyPr>
+          <a:lstStyle/>
+          <a:p>
+            <a:r>
+              <a:rPr lang="en-US" dirty="0"/>
+              <a:t>Model is ignoring two of the three variables.  Normally this would indicate that GEN_HEALTH is the only variable that is relevant to predicting DEPRESSION.  The implication here is that POVERTY is not related to DEPRESSION, forcing us to reject H_A, and accept H_0.  However, the contradiction between accuracy score and precision and recall scores indicates that DEPRESSION = f(GEN_HEALTH) is not a good model on its own, something else may be going on.</a:t>
             </a:r>
           </a:p>
           <a:p>
@@ -12417,14 +12453,14 @@
             <a:pPr lvl="1"/>
             <a:r>
               <a:rPr lang="en-US" dirty="0"/>
-              <a:t>Because GEN_HEALTH is a predictor, and POVERTY and SMOKING are not considered, the model can be re-run with more than 3 independent variables.  This will leverage the power of a decision tree, and possibly produce a model with better precision and recall scores</a:t>
+              <a:t>Because GEN_HEALTH is a predictor, and POVERTY and SMOKING are not considered, the model can be re-run with more than 3 independent variables.  This will leverage the power of a decision tree, and possibly produce a model with better precision and recall scores. </a:t>
             </a:r>
           </a:p>
           <a:p>
             <a:pPr lvl="1"/>
             <a:r>
               <a:rPr lang="en-US" dirty="0"/>
-              <a:t>Run the same variables, but with a regression type of model, possible a multivariate regression.</a:t>
+              <a:t>Run the same variables, but with a regression type of model, possibly a multivariate regression.</a:t>
             </a:r>
           </a:p>
           <a:p>
@@ -12432,9 +12468,6 @@
               <a:rPr lang="en-US" dirty="0"/>
               <a:t>It should be noted, that when this model was run with 5 categories for DEPRESSION, we received the exact same values for accuracy, precision and recalls scores.  The levels of categories was a non-issue.</a:t>
             </a:r>
-          </a:p>
-          <a:p>
-            <a:endParaRPr lang="en-US" dirty="0"/>
           </a:p>
         </p:txBody>
       </p:sp>
@@ -12442,6 +12475,105 @@
     <p:extLst>
       <p:ext uri="{BB962C8B-B14F-4D97-AF65-F5344CB8AC3E}">
         <p14:creationId xmlns:p14="http://schemas.microsoft.com/office/powerpoint/2010/main" val="3004269520"/>
+      </p:ext>
+    </p:extLst>
+  </p:cSld>
+  <p:clrMapOvr>
+    <a:masterClrMapping/>
+  </p:clrMapOvr>
+</p:sld>
+</file>
+
+<file path=ppt/slides/slide42.xml><?xml version="1.0" encoding="utf-8"?>
+<p:sld xmlns:a="http://schemas.openxmlformats.org/drawingml/2006/main" xmlns:r="http://schemas.openxmlformats.org/officeDocument/2006/relationships" xmlns:p="http://schemas.openxmlformats.org/presentationml/2006/main">
+  <p:cSld>
+    <p:spTree>
+      <p:nvGrpSpPr>
+        <p:cNvPr id="1" name=""/>
+        <p:cNvGrpSpPr/>
+        <p:nvPr/>
+      </p:nvGrpSpPr>
+      <p:grpSpPr>
+        <a:xfrm>
+          <a:off x="0" y="0"/>
+          <a:ext cx="0" cy="0"/>
+          <a:chOff x="0" y="0"/>
+          <a:chExt cx="0" cy="0"/>
+        </a:xfrm>
+      </p:grpSpPr>
+      <p:sp>
+        <p:nvSpPr>
+          <p:cNvPr id="2" name="Title 1">
+            <a:extLst>
+              <a:ext uri="{FF2B5EF4-FFF2-40B4-BE49-F238E27FC236}">
+                <a16:creationId xmlns:a16="http://schemas.microsoft.com/office/drawing/2014/main" id="{FA4A219A-70F0-773A-81B8-08A45FCF39FA}"/>
+              </a:ext>
+            </a:extLst>
+          </p:cNvPr>
+          <p:cNvSpPr>
+            <a:spLocks noGrp="1"/>
+          </p:cNvSpPr>
+          <p:nvPr>
+            <p:ph type="title"/>
+          </p:nvPr>
+        </p:nvSpPr>
+        <p:spPr/>
+        <p:txBody>
+          <a:bodyPr/>
+          <a:lstStyle/>
+          <a:p>
+            <a:r>
+              <a:rPr lang="en-US" dirty="0"/>
+              <a:t>Act  </a:t>
+            </a:r>
+          </a:p>
+        </p:txBody>
+      </p:sp>
+      <p:sp>
+        <p:nvSpPr>
+          <p:cNvPr id="3" name="Content Placeholder 2">
+            <a:extLst>
+              <a:ext uri="{FF2B5EF4-FFF2-40B4-BE49-F238E27FC236}">
+                <a16:creationId xmlns:a16="http://schemas.microsoft.com/office/drawing/2014/main" id="{64C827AE-726E-2566-B465-6E9719C90FAC}"/>
+              </a:ext>
+            </a:extLst>
+          </p:cNvPr>
+          <p:cNvSpPr>
+            <a:spLocks noGrp="1"/>
+          </p:cNvSpPr>
+          <p:nvPr>
+            <p:ph idx="1"/>
+          </p:nvPr>
+        </p:nvSpPr>
+        <p:spPr>
+          <a:xfrm>
+            <a:off x="685801" y="2142067"/>
+            <a:ext cx="10131425" cy="4443371"/>
+          </a:xfrm>
+        </p:spPr>
+        <p:txBody>
+          <a:bodyPr>
+            <a:normAutofit/>
+          </a:bodyPr>
+          <a:lstStyle/>
+          <a:p>
+            <a:r>
+              <a:rPr lang="en-US" dirty="0"/>
+              <a:t>In short, the results of this  model are inconclusive, and further analysis is required either by adding variables, or using a different analytical technique.</a:t>
+            </a:r>
+          </a:p>
+          <a:p>
+            <a:r>
+              <a:rPr lang="en-US" dirty="0"/>
+              <a:t>Given that other published research has shown that poverty does affect depression, and the contradictions found in this analysis, it may be that the wrong technique was applied.  Therefore, recommend that the same variables be used with a different type of model.  One that involves a multivariate regression would seem the most favorable.</a:t>
+            </a:r>
+          </a:p>
+        </p:txBody>
+      </p:sp>
+    </p:spTree>
+    <p:extLst>
+      <p:ext uri="{BB962C8B-B14F-4D97-AF65-F5344CB8AC3E}">
+        <p14:creationId xmlns:p14="http://schemas.microsoft.com/office/powerpoint/2010/main" val="2491391348"/>
       </p:ext>
     </p:extLst>
   </p:cSld>
@@ -14261,7 +14393,7 @@
                   <a:schemeClr val="tx1"/>
                 </a:solidFill>
               </a:rPr>
-              <a:t>Set of recommendations</a:t>
+              <a:t>Produce a set of recommendations</a:t>
             </a:r>
           </a:p>
         </p:txBody>
@@ -14913,6 +15045,15 @@
 </file>
 
 <file path=customXml/item1.xml><?xml version="1.0" encoding="utf-8"?>
+<?mso-contentType ?>
+<FormTemplates xmlns="http://schemas.microsoft.com/sharepoint/v3/contenttype/forms">
+  <Display>DocumentLibraryForm</Display>
+  <Edit>DocumentLibraryForm</Edit>
+  <New>DocumentLibraryForm</New>
+</FormTemplates>
+</file>
+
+<file path=customXml/item2.xml><?xml version="1.0" encoding="utf-8"?>
 <p:properties xmlns:p="http://schemas.microsoft.com/office/2006/metadata/properties" xmlns:xsi="http://www.w3.org/2001/XMLSchema-instance" xmlns:pc="http://schemas.microsoft.com/office/infopath/2007/PartnerControls">
   <documentManagement>
     <MediaServiceKeyPoints xmlns="71af3243-3dd4-4a8d-8c0d-dd76da1f02a5" xsi:nil="true"/>
@@ -14920,7 +15061,7 @@
 </p:properties>
 </file>
 
-<file path=customXml/item2.xml><?xml version="1.0" encoding="utf-8"?>
+<file path=customXml/item3.xml><?xml version="1.0" encoding="utf-8"?>
 <ct:contentTypeSchema xmlns:ct="http://schemas.microsoft.com/office/2006/metadata/contentType" xmlns:ma="http://schemas.microsoft.com/office/2006/metadata/properties/metaAttributes" ct:_="" ma:_="" ma:contentTypeName="Document" ma:contentTypeID="0x01010079F111ED35F8CC479449609E8A0923A6" ma:contentTypeVersion="11" ma:contentTypeDescription="Create a new document." ma:contentTypeScope="" ma:versionID="9677210f24a1be23c92c90fd886aa0aa">
   <xsd:schema xmlns:xsd="http://www.w3.org/2001/XMLSchema" xmlns:xs="http://www.w3.org/2001/XMLSchema" xmlns:p="http://schemas.microsoft.com/office/2006/metadata/properties" xmlns:ns2="71af3243-3dd4-4a8d-8c0d-dd76da1f02a5" xmlns:ns3="16c05727-aa75-4e4a-9b5f-8a80a1165891" targetNamespace="http://schemas.microsoft.com/office/2006/metadata/properties" ma:root="true" ma:fieldsID="60e05723c5c1908df1a1a4ebf11d344e" ns2:_="" ns3:_="">
     <xsd:import namespace="71af3243-3dd4-4a8d-8c0d-dd76da1f02a5"/>
@@ -15131,16 +15272,15 @@
 </ct:contentTypeSchema>
 </file>
 
-<file path=customXml/item3.xml><?xml version="1.0" encoding="utf-8"?>
-<?mso-contentType ?>
-<FormTemplates xmlns="http://schemas.microsoft.com/sharepoint/v3/contenttype/forms">
-  <Display>DocumentLibraryForm</Display>
-  <Edit>DocumentLibraryForm</Edit>
-  <New>DocumentLibraryForm</New>
-</FormTemplates>
+<file path=customXml/itemProps1.xml><?xml version="1.0" encoding="utf-8"?>
+<ds:datastoreItem xmlns:ds="http://schemas.openxmlformats.org/officeDocument/2006/customXml" ds:itemID="{FE57094B-4684-420B-AFE0-4E41CA2AF714}">
+  <ds:schemaRefs>
+    <ds:schemaRef ds:uri="http://schemas.microsoft.com/sharepoint/v3/contenttype/forms"/>
+  </ds:schemaRefs>
+</ds:datastoreItem>
 </file>
 
-<file path=customXml/itemProps1.xml><?xml version="1.0" encoding="utf-8"?>
+<file path=customXml/itemProps2.xml><?xml version="1.0" encoding="utf-8"?>
 <ds:datastoreItem xmlns:ds="http://schemas.openxmlformats.org/officeDocument/2006/customXml" ds:itemID="{B26D5668-1971-40BB-BC7C-94C9B101AAB7}">
   <ds:schemaRefs>
     <ds:schemaRef ds:uri="http://schemas.microsoft.com/office/2006/metadata/properties"/>
@@ -15150,7 +15290,7 @@
 </ds:datastoreItem>
 </file>
 
-<file path=customXml/itemProps2.xml><?xml version="1.0" encoding="utf-8"?>
+<file path=customXml/itemProps3.xml><?xml version="1.0" encoding="utf-8"?>
 <ds:datastoreItem xmlns:ds="http://schemas.openxmlformats.org/officeDocument/2006/customXml" ds:itemID="{3370F4A1-FC59-4361-989F-6C79533DA565}">
   <ds:schemaRefs>
     <ds:schemaRef ds:uri="http://schemas.microsoft.com/office/2006/metadata/contentType"/>
@@ -15167,12 +15307,4 @@
     <ds:schemaRef ds:uri="http://schemas.microsoft.com/internal/obd"/>
   </ds:schemaRefs>
 </ds:datastoreItem>
-</file>
-
-<file path=customXml/itemProps3.xml><?xml version="1.0" encoding="utf-8"?>
-<ds:datastoreItem xmlns:ds="http://schemas.openxmlformats.org/officeDocument/2006/customXml" ds:itemID="{FE57094B-4684-420B-AFE0-4E41CA2AF714}">
-  <ds:schemaRefs>
-    <ds:schemaRef ds:uri="http://schemas.microsoft.com/sharepoint/v3/contenttype/forms"/>
-  </ds:schemaRefs>
-</ds:datastoreItem>
 </file>